--- a/ProjectPresentation.pptx
+++ b/ProjectPresentation.pptx
@@ -6,12 +6,13 @@
   </p:sldMasterIdLst>
   <p:sldIdLst>
     <p:sldId id="256" r:id="rId2"/>
-    <p:sldId id="257" r:id="rId3"/>
-    <p:sldId id="258" r:id="rId4"/>
-    <p:sldId id="259" r:id="rId5"/>
-    <p:sldId id="262" r:id="rId6"/>
-    <p:sldId id="260" r:id="rId7"/>
-    <p:sldId id="261" r:id="rId8"/>
+    <p:sldId id="263" r:id="rId3"/>
+    <p:sldId id="257" r:id="rId4"/>
+    <p:sldId id="258" r:id="rId5"/>
+    <p:sldId id="259" r:id="rId6"/>
+    <p:sldId id="262" r:id="rId7"/>
+    <p:sldId id="260" r:id="rId8"/>
+    <p:sldId id="261" r:id="rId9"/>
   </p:sldIdLst>
   <p:sldSz cx="9144000" cy="6858000" type="screen4x3"/>
   <p:notesSz cx="6858000" cy="9144000"/>
@@ -8193,10 +8194,110 @@
   <p:clrMapOvr>
     <a:masterClrMapping/>
   </p:clrMapOvr>
+  <p:timing>
+    <p:tnLst>
+      <p:par>
+        <p:cTn xmlns:p14="http://schemas.microsoft.com/office/powerpoint/2010/main" id="1" dur="indefinite" restart="never" nodeType="tmRoot"/>
+      </p:par>
+    </p:tnLst>
+  </p:timing>
 </p:sld>
 </file>
 
 <file path=ppt/slides/slide2.xml><?xml version="1.0" encoding="utf-8"?>
+<p:sld xmlns:a="http://schemas.openxmlformats.org/drawingml/2006/main" xmlns:r="http://schemas.openxmlformats.org/officeDocument/2006/relationships" xmlns:p="http://schemas.openxmlformats.org/presentationml/2006/main">
+  <p:cSld>
+    <p:spTree>
+      <p:nvGrpSpPr>
+        <p:cNvPr id="1" name=""/>
+        <p:cNvGrpSpPr/>
+        <p:nvPr/>
+      </p:nvGrpSpPr>
+      <p:grpSpPr>
+        <a:xfrm>
+          <a:off x="0" y="0"/>
+          <a:ext cx="0" cy="0"/>
+          <a:chOff x="0" y="0"/>
+          <a:chExt cx="0" cy="0"/>
+        </a:xfrm>
+      </p:grpSpPr>
+      <p:sp>
+        <p:nvSpPr>
+          <p:cNvPr id="2" name="Title 1"/>
+          <p:cNvSpPr>
+            <a:spLocks noGrp="1"/>
+          </p:cNvSpPr>
+          <p:nvPr>
+            <p:ph type="title"/>
+          </p:nvPr>
+        </p:nvSpPr>
+        <p:spPr/>
+        <p:txBody>
+          <a:bodyPr/>
+          <a:lstStyle/>
+          <a:p>
+            <a:pPr algn="l"/>
+            <a:r>
+              <a:rPr lang="en-US" dirty="0" smtClean="0"/>
+              <a:t>Link to Apex Application</a:t>
+            </a:r>
+            <a:endParaRPr lang="en-US" dirty="0"/>
+          </a:p>
+        </p:txBody>
+      </p:sp>
+      <p:pic>
+        <p:nvPicPr>
+          <p:cNvPr id="4" name="Content Placeholder 3" descr="Screen Shot 2016-03-30 at 11.29.51 AM.png">
+            <a:hlinkClick r:id="rId2"/>
+          </p:cNvPr>
+          <p:cNvPicPr>
+            <a:picLocks noGrp="1" noChangeAspect="1"/>
+          </p:cNvPicPr>
+          <p:nvPr>
+            <p:ph idx="1"/>
+          </p:nvPr>
+        </p:nvPicPr>
+        <p:blipFill>
+          <a:blip r:embed="rId3">
+            <a:extLst>
+              <a:ext uri="{28A0092B-C50C-407E-A947-70E740481C1C}">
+                <a14:useLocalDpi xmlns:a14="http://schemas.microsoft.com/office/drawing/2010/main" val="0"/>
+              </a:ext>
+            </a:extLst>
+          </a:blip>
+          <a:srcRect l="-5838" r="-5838"/>
+          <a:stretch>
+            <a:fillRect/>
+          </a:stretch>
+        </p:blipFill>
+        <p:spPr>
+          <a:xfrm>
+            <a:off x="284163" y="1849438"/>
+            <a:ext cx="8574087" cy="4276725"/>
+          </a:xfrm>
+        </p:spPr>
+      </p:pic>
+    </p:spTree>
+    <p:extLst>
+      <p:ext uri="{BB962C8B-B14F-4D97-AF65-F5344CB8AC3E}">
+        <p14:creationId xmlns:p14="http://schemas.microsoft.com/office/powerpoint/2010/main" val="176547698"/>
+      </p:ext>
+    </p:extLst>
+  </p:cSld>
+  <p:clrMapOvr>
+    <a:masterClrMapping/>
+  </p:clrMapOvr>
+  <p:timing>
+    <p:tnLst>
+      <p:par>
+        <p:cTn xmlns:p14="http://schemas.microsoft.com/office/powerpoint/2010/main" id="1" dur="indefinite" restart="never" nodeType="tmRoot"/>
+      </p:par>
+    </p:tnLst>
+  </p:timing>
+</p:sld>
+</file>
+
+<file path=ppt/slides/slide3.xml><?xml version="1.0" encoding="utf-8"?>
 <p:sld xmlns:a="http://schemas.openxmlformats.org/drawingml/2006/main" xmlns:r="http://schemas.openxmlformats.org/officeDocument/2006/relationships" xmlns:p="http://schemas.openxmlformats.org/presentationml/2006/main">
   <p:cSld>
     <p:spTree>
@@ -8277,10 +8378,17 @@
   <p:clrMapOvr>
     <a:masterClrMapping/>
   </p:clrMapOvr>
+  <p:timing>
+    <p:tnLst>
+      <p:par>
+        <p:cTn xmlns:p14="http://schemas.microsoft.com/office/powerpoint/2010/main" id="1" dur="indefinite" restart="never" nodeType="tmRoot"/>
+      </p:par>
+    </p:tnLst>
+  </p:timing>
 </p:sld>
 </file>
 
-<file path=ppt/slides/slide3.xml><?xml version="1.0" encoding="utf-8"?>
+<file path=ppt/slides/slide4.xml><?xml version="1.0" encoding="utf-8"?>
 <p:sld xmlns:a="http://schemas.openxmlformats.org/drawingml/2006/main" xmlns:r="http://schemas.openxmlformats.org/officeDocument/2006/relationships" xmlns:p="http://schemas.openxmlformats.org/presentationml/2006/main">
   <p:cSld>
     <p:spTree>
@@ -8346,8 +8454,8 @@
         </p:blipFill>
         <p:spPr>
           <a:xfrm>
-            <a:off x="284163" y="1708150"/>
-            <a:ext cx="8574087" cy="4867275"/>
+            <a:off x="284163" y="1808552"/>
+            <a:ext cx="8574087" cy="4766873"/>
           </a:xfrm>
         </p:spPr>
       </p:pic>
@@ -8364,7 +8472,7 @@
 </p:sld>
 </file>
 
-<file path=ppt/slides/slide4.xml><?xml version="1.0" encoding="utf-8"?>
+<file path=ppt/slides/slide5.xml><?xml version="1.0" encoding="utf-8"?>
 <p:sld xmlns:a="http://schemas.openxmlformats.org/drawingml/2006/main" xmlns:r="http://schemas.openxmlformats.org/officeDocument/2006/relationships" xmlns:p="http://schemas.openxmlformats.org/presentationml/2006/main">
   <p:cSld>
     <p:spTree>
@@ -8448,160 +8556,6 @@
 </p:sld>
 </file>
 
-<file path=ppt/slides/slide5.xml><?xml version="1.0" encoding="utf-8"?>
-<p:sld xmlns:a="http://schemas.openxmlformats.org/drawingml/2006/main" xmlns:r="http://schemas.openxmlformats.org/officeDocument/2006/relationships" xmlns:p="http://schemas.openxmlformats.org/presentationml/2006/main">
-  <p:cSld>
-    <p:spTree>
-      <p:nvGrpSpPr>
-        <p:cNvPr id="1" name=""/>
-        <p:cNvGrpSpPr/>
-        <p:nvPr/>
-      </p:nvGrpSpPr>
-      <p:grpSpPr>
-        <a:xfrm>
-          <a:off x="0" y="0"/>
-          <a:ext cx="0" cy="0"/>
-          <a:chOff x="0" y="0"/>
-          <a:chExt cx="0" cy="0"/>
-        </a:xfrm>
-      </p:grpSpPr>
-      <p:sp>
-        <p:nvSpPr>
-          <p:cNvPr id="2" name="Title 1"/>
-          <p:cNvSpPr>
-            <a:spLocks noGrp="1"/>
-          </p:cNvSpPr>
-          <p:nvPr>
-            <p:ph type="title"/>
-          </p:nvPr>
-        </p:nvSpPr>
-        <p:spPr/>
-        <p:txBody>
-          <a:bodyPr/>
-          <a:lstStyle/>
-          <a:p>
-            <a:pPr algn="l"/>
-            <a:r>
-              <a:rPr lang="en-US" dirty="0" smtClean="0"/>
-              <a:t>Project Ideas</a:t>
-            </a:r>
-            <a:endParaRPr lang="en-US" dirty="0"/>
-          </a:p>
-        </p:txBody>
-      </p:sp>
-      <p:sp>
-        <p:nvSpPr>
-          <p:cNvPr id="3" name="Content Placeholder 2"/>
-          <p:cNvSpPr>
-            <a:spLocks noGrp="1"/>
-          </p:cNvSpPr>
-          <p:nvPr>
-            <p:ph idx="1"/>
-          </p:nvPr>
-        </p:nvSpPr>
-        <p:spPr>
-          <a:xfrm>
-            <a:off x="284163" y="1763889"/>
-            <a:ext cx="8574087" cy="4797777"/>
-          </a:xfrm>
-        </p:spPr>
-        <p:txBody>
-          <a:bodyPr/>
-          <a:lstStyle/>
-          <a:p>
-            <a:pPr>
-              <a:buClr>
-                <a:schemeClr val="tx1"/>
-              </a:buClr>
-              <a:buFont typeface="Arial"/>
-              <a:buChar char="•"/>
-            </a:pPr>
-            <a:r>
-              <a:rPr lang="en-US" dirty="0" smtClean="0"/>
-              <a:t>Three application sections: Employee, Projects, Department</a:t>
-            </a:r>
-          </a:p>
-          <a:p>
-            <a:pPr>
-              <a:buClrTx/>
-              <a:buFont typeface="Arial"/>
-              <a:buChar char="•"/>
-            </a:pPr>
-            <a:r>
-              <a:rPr lang="en-US" dirty="0" smtClean="0"/>
-              <a:t>Each section will have main page to create new instances of each</a:t>
-            </a:r>
-            <a:endParaRPr lang="en-US" dirty="0"/>
-          </a:p>
-          <a:p>
-            <a:pPr>
-              <a:buClr>
-                <a:schemeClr val="tx2"/>
-              </a:buClr>
-              <a:buFont typeface="Arial"/>
-              <a:buChar char="•"/>
-            </a:pPr>
-            <a:r>
-              <a:rPr lang="en-US" dirty="0" smtClean="0"/>
-              <a:t>Sections will have subpage/modal window to edit relationship information. (ex. Employee -&gt; </a:t>
-            </a:r>
-            <a:r>
-              <a:rPr lang="en-US" dirty="0" err="1" smtClean="0"/>
-              <a:t>Dept</a:t>
-            </a:r>
-            <a:r>
-              <a:rPr lang="en-US" dirty="0" smtClean="0"/>
-              <a:t>, Employee-&gt;Manager)</a:t>
-            </a:r>
-          </a:p>
-          <a:p>
-            <a:pPr>
-              <a:buClr>
-                <a:schemeClr val="tx1"/>
-              </a:buClr>
-              <a:buFont typeface="Arial"/>
-              <a:buChar char="•"/>
-            </a:pPr>
-            <a:r>
-              <a:rPr lang="en-US" dirty="0" smtClean="0"/>
-              <a:t>Employees &amp; projects will have pre-filtered reports</a:t>
-            </a:r>
-          </a:p>
-          <a:p>
-            <a:pPr lvl="1">
-              <a:buFont typeface="Arial"/>
-              <a:buChar char="•"/>
-            </a:pPr>
-            <a:r>
-              <a:rPr lang="en-US" dirty="0" smtClean="0"/>
-              <a:t>Employees: All Employees, Employee, Manager, President</a:t>
-            </a:r>
-          </a:p>
-          <a:p>
-            <a:pPr lvl="1">
-              <a:buFont typeface="Arial"/>
-              <a:buChar char="•"/>
-            </a:pPr>
-            <a:r>
-              <a:rPr lang="en-US" dirty="0" smtClean="0"/>
-              <a:t>Projects: All Projects, Current Projects, Previous Projects</a:t>
-            </a:r>
-          </a:p>
-        </p:txBody>
-      </p:sp>
-    </p:spTree>
-    <p:extLst>
-      <p:ext uri="{BB962C8B-B14F-4D97-AF65-F5344CB8AC3E}">
-        <p14:creationId xmlns:p14="http://schemas.microsoft.com/office/powerpoint/2010/main" val="2701712665"/>
-      </p:ext>
-    </p:extLst>
-  </p:cSld>
-  <p:clrMapOvr>
-    <a:masterClrMapping/>
-  </p:clrMapOvr>
-</p:sld>
-</file>
-
 <file path=ppt/slides/slide6.xml><?xml version="1.0" encoding="utf-8"?>
 <p:sld xmlns:a="http://schemas.openxmlformats.org/drawingml/2006/main" xmlns:r="http://schemas.openxmlformats.org/officeDocument/2006/relationships" xmlns:p="http://schemas.openxmlformats.org/presentationml/2006/main">
   <p:cSld>
@@ -8637,6 +8591,189 @@
             <a:pPr algn="l"/>
             <a:r>
               <a:rPr lang="en-US" dirty="0" smtClean="0"/>
+              <a:t>Project Ideas</a:t>
+            </a:r>
+            <a:endParaRPr lang="en-US" dirty="0"/>
+          </a:p>
+        </p:txBody>
+      </p:sp>
+      <p:sp>
+        <p:nvSpPr>
+          <p:cNvPr id="3" name="Content Placeholder 2"/>
+          <p:cNvSpPr>
+            <a:spLocks noGrp="1"/>
+          </p:cNvSpPr>
+          <p:nvPr>
+            <p:ph idx="1"/>
+          </p:nvPr>
+        </p:nvSpPr>
+        <p:spPr>
+          <a:xfrm>
+            <a:off x="284163" y="1763889"/>
+            <a:ext cx="8574087" cy="4797777"/>
+          </a:xfrm>
+        </p:spPr>
+        <p:txBody>
+          <a:bodyPr>
+            <a:normAutofit lnSpcReduction="10000"/>
+          </a:bodyPr>
+          <a:lstStyle/>
+          <a:p>
+            <a:pPr>
+              <a:buClr>
+                <a:schemeClr val="tx1"/>
+              </a:buClr>
+              <a:buFont typeface="Arial"/>
+              <a:buChar char="•"/>
+            </a:pPr>
+            <a:r>
+              <a:rPr lang="en-US" dirty="0" smtClean="0"/>
+              <a:t>Three application sections: Employee, Projects, Department</a:t>
+            </a:r>
+          </a:p>
+          <a:p>
+            <a:pPr>
+              <a:buClrTx/>
+              <a:buFont typeface="Arial"/>
+              <a:buChar char="•"/>
+            </a:pPr>
+            <a:r>
+              <a:rPr lang="en-US" dirty="0" smtClean="0"/>
+              <a:t>Each section will have main page to create new instances of each</a:t>
+            </a:r>
+            <a:endParaRPr lang="en-US" dirty="0"/>
+          </a:p>
+          <a:p>
+            <a:pPr>
+              <a:buClr>
+                <a:schemeClr val="tx2"/>
+              </a:buClr>
+              <a:buFont typeface="Arial"/>
+              <a:buChar char="•"/>
+            </a:pPr>
+            <a:r>
+              <a:rPr lang="en-US" dirty="0" smtClean="0"/>
+              <a:t>Sections will have subpage/modal window to edit relationship information. (ex. Employee -&gt; </a:t>
+            </a:r>
+            <a:r>
+              <a:rPr lang="en-US" dirty="0" err="1" smtClean="0"/>
+              <a:t>Dept</a:t>
+            </a:r>
+            <a:r>
+              <a:rPr lang="en-US" dirty="0" smtClean="0"/>
+              <a:t>, Employee-&gt;Manager)</a:t>
+            </a:r>
+          </a:p>
+          <a:p>
+            <a:pPr>
+              <a:buClr>
+                <a:schemeClr val="tx1"/>
+              </a:buClr>
+              <a:buFont typeface="Arial"/>
+              <a:buChar char="•"/>
+            </a:pPr>
+            <a:r>
+              <a:rPr lang="en-US" dirty="0" smtClean="0"/>
+              <a:t>Employees &amp; projects will have pre-filtered reports</a:t>
+            </a:r>
+          </a:p>
+          <a:p>
+            <a:pPr lvl="1">
+              <a:buFont typeface="Arial"/>
+              <a:buChar char="•"/>
+            </a:pPr>
+            <a:r>
+              <a:rPr lang="en-US" dirty="0" smtClean="0"/>
+              <a:t>Employees: All Employees, Employee, Manager, President</a:t>
+            </a:r>
+          </a:p>
+          <a:p>
+            <a:pPr lvl="1">
+              <a:buFont typeface="Arial"/>
+              <a:buChar char="•"/>
+            </a:pPr>
+            <a:r>
+              <a:rPr lang="en-US" dirty="0" smtClean="0"/>
+              <a:t>Projects: All Projects, Current Projects, Previous Projects</a:t>
+            </a:r>
+          </a:p>
+          <a:p>
+            <a:pPr>
+              <a:buClr>
+                <a:schemeClr val="tx1"/>
+              </a:buClr>
+              <a:buFont typeface="Arial"/>
+              <a:buChar char="•"/>
+            </a:pPr>
+            <a:r>
+              <a:rPr lang="en-US" dirty="0" smtClean="0"/>
+              <a:t>Set Manager permissions to edit projects, departments, and employees</a:t>
+            </a:r>
+          </a:p>
+          <a:p>
+            <a:pPr lvl="1">
+              <a:buFont typeface="Arial"/>
+              <a:buChar char="•"/>
+            </a:pPr>
+            <a:endParaRPr lang="en-US" dirty="0"/>
+          </a:p>
+          <a:p>
+            <a:pPr lvl="1">
+              <a:buFont typeface="Arial"/>
+              <a:buChar char="•"/>
+            </a:pPr>
+            <a:endParaRPr lang="en-US" dirty="0" smtClean="0"/>
+          </a:p>
+        </p:txBody>
+      </p:sp>
+    </p:spTree>
+    <p:extLst>
+      <p:ext uri="{BB962C8B-B14F-4D97-AF65-F5344CB8AC3E}">
+        <p14:creationId xmlns:p14="http://schemas.microsoft.com/office/powerpoint/2010/main" val="2701712665"/>
+      </p:ext>
+    </p:extLst>
+  </p:cSld>
+  <p:clrMapOvr>
+    <a:masterClrMapping/>
+  </p:clrMapOvr>
+</p:sld>
+</file>
+
+<file path=ppt/slides/slide7.xml><?xml version="1.0" encoding="utf-8"?>
+<p:sld xmlns:a="http://schemas.openxmlformats.org/drawingml/2006/main" xmlns:r="http://schemas.openxmlformats.org/officeDocument/2006/relationships" xmlns:p="http://schemas.openxmlformats.org/presentationml/2006/main">
+  <p:cSld>
+    <p:spTree>
+      <p:nvGrpSpPr>
+        <p:cNvPr id="1" name=""/>
+        <p:cNvGrpSpPr/>
+        <p:nvPr/>
+      </p:nvGrpSpPr>
+      <p:grpSpPr>
+        <a:xfrm>
+          <a:off x="0" y="0"/>
+          <a:ext cx="0" cy="0"/>
+          <a:chOff x="0" y="0"/>
+          <a:chExt cx="0" cy="0"/>
+        </a:xfrm>
+      </p:grpSpPr>
+      <p:sp>
+        <p:nvSpPr>
+          <p:cNvPr id="2" name="Title 1"/>
+          <p:cNvSpPr>
+            <a:spLocks noGrp="1"/>
+          </p:cNvSpPr>
+          <p:nvPr>
+            <p:ph type="title"/>
+          </p:nvPr>
+        </p:nvSpPr>
+        <p:spPr/>
+        <p:txBody>
+          <a:bodyPr/>
+          <a:lstStyle/>
+          <a:p>
+            <a:pPr algn="l"/>
+            <a:r>
+              <a:rPr lang="en-US" dirty="0" smtClean="0"/>
               <a:t>Already Answered Questions</a:t>
             </a:r>
             <a:endParaRPr lang="en-US" dirty="0"/>
@@ -8766,7 +8903,7 @@
 </p:sld>
 </file>
 
-<file path=ppt/slides/slide7.xml><?xml version="1.0" encoding="utf-8"?>
+<file path=ppt/slides/slide8.xml><?xml version="1.0" encoding="utf-8"?>
 <p:sld xmlns:a="http://schemas.openxmlformats.org/drawingml/2006/main" xmlns:r="http://schemas.openxmlformats.org/officeDocument/2006/relationships" xmlns:p="http://schemas.openxmlformats.org/presentationml/2006/main">
   <p:cSld>
     <p:spTree>
